--- a/00_self_upload/SWEA/src/prob004613/russian_flag_presentation.pptx
+++ b/00_self_upload/SWEA/src/prob004613/russian_flag_presentation.pptx
@@ -105,6 +105,11 @@
       </a:defRPr>
     </a:lvl9pPr>
   </p:defaultTextStyle>
+  <p:extLst>
+    <p:ext uri="{EFAFB233-063F-42B5-8137-9DF3F51BA10A}">
+      <p15:sldGuideLst xmlns:p15="http://schemas.microsoft.com/office/powerpoint/2012/main"/>
+    </p:ext>
+  </p:extLst>
 </p:presentation>
 </file>
 
@@ -255,7 +260,7 @@
           <a:p>
             <a:fld id="{4B497702-7772-49A5-8F9E-6A1457217EFD}" type="datetimeFigureOut">
               <a:rPr lang="ko-KR" altLang="en-US" smtClean="0"/>
-              <a:t>2023-02-23</a:t>
+              <a:t>2023-02-24</a:t>
             </a:fld>
             <a:endParaRPr lang="ko-KR" altLang="en-US"/>
           </a:p>
@@ -453,7 +458,7 @@
           <a:p>
             <a:fld id="{4B497702-7772-49A5-8F9E-6A1457217EFD}" type="datetimeFigureOut">
               <a:rPr lang="ko-KR" altLang="en-US" smtClean="0"/>
-              <a:t>2023-02-23</a:t>
+              <a:t>2023-02-24</a:t>
             </a:fld>
             <a:endParaRPr lang="ko-KR" altLang="en-US"/>
           </a:p>
@@ -661,7 +666,7 @@
           <a:p>
             <a:fld id="{4B497702-7772-49A5-8F9E-6A1457217EFD}" type="datetimeFigureOut">
               <a:rPr lang="ko-KR" altLang="en-US" smtClean="0"/>
-              <a:t>2023-02-23</a:t>
+              <a:t>2023-02-24</a:t>
             </a:fld>
             <a:endParaRPr lang="ko-KR" altLang="en-US"/>
           </a:p>
@@ -859,7 +864,7 @@
           <a:p>
             <a:fld id="{4B497702-7772-49A5-8F9E-6A1457217EFD}" type="datetimeFigureOut">
               <a:rPr lang="ko-KR" altLang="en-US" smtClean="0"/>
-              <a:t>2023-02-23</a:t>
+              <a:t>2023-02-24</a:t>
             </a:fld>
             <a:endParaRPr lang="ko-KR" altLang="en-US"/>
           </a:p>
@@ -1134,7 +1139,7 @@
           <a:p>
             <a:fld id="{4B497702-7772-49A5-8F9E-6A1457217EFD}" type="datetimeFigureOut">
               <a:rPr lang="ko-KR" altLang="en-US" smtClean="0"/>
-              <a:t>2023-02-23</a:t>
+              <a:t>2023-02-24</a:t>
             </a:fld>
             <a:endParaRPr lang="ko-KR" altLang="en-US"/>
           </a:p>
@@ -1399,7 +1404,7 @@
           <a:p>
             <a:fld id="{4B497702-7772-49A5-8F9E-6A1457217EFD}" type="datetimeFigureOut">
               <a:rPr lang="ko-KR" altLang="en-US" smtClean="0"/>
-              <a:t>2023-02-23</a:t>
+              <a:t>2023-02-24</a:t>
             </a:fld>
             <a:endParaRPr lang="ko-KR" altLang="en-US"/>
           </a:p>
@@ -1811,7 +1816,7 @@
           <a:p>
             <a:fld id="{4B497702-7772-49A5-8F9E-6A1457217EFD}" type="datetimeFigureOut">
               <a:rPr lang="ko-KR" altLang="en-US" smtClean="0"/>
-              <a:t>2023-02-23</a:t>
+              <a:t>2023-02-24</a:t>
             </a:fld>
             <a:endParaRPr lang="ko-KR" altLang="en-US"/>
           </a:p>
@@ -1952,7 +1957,7 @@
           <a:p>
             <a:fld id="{4B497702-7772-49A5-8F9E-6A1457217EFD}" type="datetimeFigureOut">
               <a:rPr lang="ko-KR" altLang="en-US" smtClean="0"/>
-              <a:t>2023-02-23</a:t>
+              <a:t>2023-02-24</a:t>
             </a:fld>
             <a:endParaRPr lang="ko-KR" altLang="en-US"/>
           </a:p>
@@ -2065,7 +2070,7 @@
           <a:p>
             <a:fld id="{4B497702-7772-49A5-8F9E-6A1457217EFD}" type="datetimeFigureOut">
               <a:rPr lang="ko-KR" altLang="en-US" smtClean="0"/>
-              <a:t>2023-02-23</a:t>
+              <a:t>2023-02-24</a:t>
             </a:fld>
             <a:endParaRPr lang="ko-KR" altLang="en-US"/>
           </a:p>
@@ -2376,7 +2381,7 @@
           <a:p>
             <a:fld id="{4B497702-7772-49A5-8F9E-6A1457217EFD}" type="datetimeFigureOut">
               <a:rPr lang="ko-KR" altLang="en-US" smtClean="0"/>
-              <a:t>2023-02-23</a:t>
+              <a:t>2023-02-24</a:t>
             </a:fld>
             <a:endParaRPr lang="ko-KR" altLang="en-US"/>
           </a:p>
@@ -2664,7 +2669,7 @@
           <a:p>
             <a:fld id="{4B497702-7772-49A5-8F9E-6A1457217EFD}" type="datetimeFigureOut">
               <a:rPr lang="ko-KR" altLang="en-US" smtClean="0"/>
-              <a:t>2023-02-23</a:t>
+              <a:t>2023-02-24</a:t>
             </a:fld>
             <a:endParaRPr lang="ko-KR" altLang="en-US"/>
           </a:p>
@@ -2905,7 +2910,7 @@
           <a:p>
             <a:fld id="{4B497702-7772-49A5-8F9E-6A1457217EFD}" type="datetimeFigureOut">
               <a:rPr lang="ko-KR" altLang="en-US" smtClean="0"/>
-              <a:t>2023-02-23</a:t>
+              <a:t>2023-02-24</a:t>
             </a:fld>
             <a:endParaRPr lang="ko-KR" altLang="en-US"/>
           </a:p>
@@ -7557,8 +7562,8 @@
         </p:nvSpPr>
         <p:spPr>
           <a:xfrm>
-            <a:off x="7608059" y="1493337"/>
-            <a:ext cx="3438763" cy="1700787"/>
+            <a:off x="7296276" y="1466568"/>
+            <a:ext cx="4062331" cy="1754326"/>
           </a:xfrm>
           <a:prstGeom prst="rect">
             <a:avLst/>
@@ -7604,16 +7609,28 @@
               <a:t>+ </a:t>
             </a:r>
             <a:r>
+              <a:rPr lang="ko-KR" altLang="en-US" dirty="0" smtClean="0"/>
+              <a:t>처음</a:t>
+            </a:r>
+            <a:r>
+              <a:rPr lang="en-US" altLang="ko-KR" dirty="0" smtClean="0"/>
+              <a:t>~</a:t>
+            </a:r>
+            <a:r>
+              <a:rPr lang="en-US" altLang="ko-KR" i="1" dirty="0" smtClean="0"/>
+              <a:t>(</a:t>
+            </a:r>
+            <a:r>
+              <a:rPr lang="en-US" altLang="ko-KR" i="1" dirty="0" err="1" smtClean="0"/>
+              <a:t>i</a:t>
+            </a:r>
+            <a:r>
+              <a:rPr lang="en-US" altLang="ko-KR" i="1" dirty="0" smtClean="0"/>
+              <a:t> </a:t>
+            </a:r>
+            <a:r>
               <a:rPr lang="en-US" altLang="ko-KR" i="1" dirty="0"/>
-              <a:t>(</a:t>
-            </a:r>
-            <a:r>
-              <a:rPr lang="en-US" altLang="ko-KR" i="1" dirty="0" err="1"/>
-              <a:t>i</a:t>
-            </a:r>
-            <a:r>
-              <a:rPr lang="en-US" altLang="ko-KR" i="1" dirty="0"/>
-              <a:t> – 1) </a:t>
+              <a:t>– 1) </a:t>
             </a:r>
             <a:r>
               <a:rPr lang="ko-KR" altLang="en-US" dirty="0"/>
@@ -7648,11 +7665,19 @@
               <a:t>+ </a:t>
             </a:r>
             <a:r>
-              <a:rPr lang="en-US" altLang="ko-KR" i="1" dirty="0" err="1"/>
+              <a:rPr lang="ko-KR" altLang="en-US" dirty="0" smtClean="0"/>
+              <a:t>끝</a:t>
+            </a:r>
+            <a:r>
+              <a:rPr lang="en-US" altLang="ko-KR" dirty="0" smtClean="0"/>
+              <a:t>~</a:t>
+            </a:r>
+            <a:r>
+              <a:rPr lang="en-US" altLang="ko-KR" i="1" dirty="0" err="1" smtClean="0"/>
               <a:t>i</a:t>
             </a:r>
             <a:r>
-              <a:rPr lang="en-US" altLang="ko-KR" dirty="0"/>
+              <a:rPr lang="en-US" altLang="ko-KR" dirty="0" smtClean="0"/>
               <a:t> </a:t>
             </a:r>
             <a:r>
